--- a/SoftwareProject_FinalPresentation.pptx
+++ b/SoftwareProject_FinalPresentation.pptx
@@ -2558,7 +2558,7 @@
         </a:p>
         <a:p>
           <a:r>
-            <a:rPr lang="en-US" sz="700" b="1" i="0" dirty="0" err="1"/>
+            <a:rPr lang="en-US" sz="700" b="1" i="0" dirty="0"/>
             <a:t>UsingIP</a:t>
           </a:r>
           <a:r>
@@ -2568,7 +2568,7 @@
         </a:p>
         <a:p>
           <a:r>
-            <a:rPr lang="en-US" sz="700" b="1" i="0" dirty="0" err="1"/>
+            <a:rPr lang="en-US" sz="700" b="1" i="0" dirty="0"/>
             <a:t>LongURL</a:t>
           </a:r>
           <a:r>
@@ -2578,7 +2578,7 @@
         </a:p>
         <a:p>
           <a:r>
-            <a:rPr lang="en-US" sz="700" b="1" i="0" dirty="0" err="1"/>
+            <a:rPr lang="en-US" sz="700" b="1" i="0" dirty="0"/>
             <a:t>ShortURL</a:t>
           </a:r>
           <a:r>
@@ -2655,12 +2655,8 @@
             <a:buChar char="•"/>
           </a:pPr>
           <a:r>
-            <a:rPr lang="en-US" sz="900" b="1" i="0" dirty="0" err="1"/>
-            <a:t>PrefixSuffix</a:t>
-          </a:r>
-          <a:r>
             <a:rPr lang="en-US" sz="900" b="1" i="0" dirty="0"/>
-            <a:t>-</a:t>
+            <a:t>PrefixSuffix-</a:t>
           </a:r>
           <a:r>
             <a:rPr lang="en-US" sz="900" b="0" i="0" dirty="0"/>
@@ -2673,7 +2669,7 @@
             <a:buChar char="•"/>
           </a:pPr>
           <a:r>
-            <a:rPr lang="en-US" sz="900" b="1" i="0" dirty="0" err="1"/>
+            <a:rPr lang="en-US" sz="900" b="1" i="0" dirty="0"/>
             <a:t>SubDomains</a:t>
           </a:r>
           <a:r>
@@ -2701,7 +2697,7 @@
             <a:buChar char="•"/>
           </a:pPr>
           <a:r>
-            <a:rPr lang="en-US" sz="900" b="1" i="0" dirty="0" err="1"/>
+            <a:rPr lang="en-US" sz="900" b="1" i="0" dirty="0"/>
             <a:t>DomainRegLen</a:t>
           </a:r>
           <a:r>
@@ -2715,7 +2711,7 @@
             <a:buChar char="•"/>
           </a:pPr>
           <a:r>
-            <a:rPr lang="en-US" sz="900" b="1" i="0" dirty="0" err="1"/>
+            <a:rPr lang="en-US" sz="900" b="1" i="0" dirty="0"/>
             <a:t>DNSRecording</a:t>
           </a:r>
           <a:r>
@@ -2775,15 +2771,7 @@
           </a:r>
           <a:r>
             <a:rPr lang="en-US" sz="900" b="0" i="0" dirty="0"/>
-            <a:t>: Use of </a:t>
-          </a:r>
-          <a:r>
-            <a:rPr lang="en-US" sz="900" b="0" i="0" dirty="0" err="1"/>
-            <a:t>iframe</a:t>
-          </a:r>
-          <a:r>
-            <a:rPr lang="en-US" sz="900" b="0" i="0" dirty="0"/>
-            <a:t> for redirection.</a:t>
+            <a:t>: Use of iframe for redirection.</a:t>
           </a:r>
         </a:p>
         <a:p>
@@ -2792,7 +2780,7 @@
             <a:buChar char="•"/>
           </a:pPr>
           <a:r>
-            <a:rPr lang="en-US" sz="900" b="1" i="0" dirty="0" err="1"/>
+            <a:rPr lang="en-US" sz="900" b="1" i="0" dirty="0"/>
             <a:t>DisableRightClick</a:t>
           </a:r>
           <a:r>
@@ -2806,7 +2794,7 @@
             <a:buChar char="•"/>
           </a:pPr>
           <a:r>
-            <a:rPr lang="en-US" sz="900" b="1" i="0" dirty="0" err="1"/>
+            <a:rPr lang="en-US" sz="900" b="1" i="0" dirty="0"/>
             <a:t>UsingPopupWindow</a:t>
           </a:r>
           <a:r>
@@ -2820,20 +2808,12 @@
             <a:buChar char="•"/>
           </a:pPr>
           <a:r>
-            <a:rPr lang="en-US" sz="900" b="1" i="0" dirty="0" err="1"/>
+            <a:rPr lang="en-US" sz="900" b="1" i="0" dirty="0"/>
             <a:t>InfoEmail</a:t>
           </a:r>
           <a:r>
             <a:rPr lang="en-US" sz="900" b="0" i="0" dirty="0"/>
-            <a:t>: Use of email links like "</a:t>
-          </a:r>
-          <a:r>
-            <a:rPr lang="en-US" sz="900" b="0" i="0" dirty="0" err="1"/>
-            <a:t>mailto</a:t>
-          </a:r>
-          <a:r>
-            <a:rPr lang="en-US" sz="900" b="0" i="0" dirty="0"/>
-            <a:t>:" within the webpage.</a:t>
+            <a:t>: Use of email links like "mailto:" within the webpage.</a:t>
           </a:r>
         </a:p>
         <a:p>
@@ -2842,7 +2822,7 @@
             <a:buChar char="•"/>
           </a:pPr>
           <a:r>
-            <a:rPr lang="en-US" sz="900" b="1" i="0" dirty="0" err="1"/>
+            <a:rPr lang="en-US" sz="900" b="1" i="0" dirty="0"/>
             <a:t>AnchorURL</a:t>
           </a:r>
           <a:r>
@@ -2897,7 +2877,7 @@
             <a:buChar char="•"/>
           </a:pPr>
           <a:r>
-            <a:rPr lang="en-US" sz="800" b="1" i="0" dirty="0" err="1"/>
+            <a:rPr lang="en-US" sz="800" b="1" i="0" dirty="0"/>
             <a:t>GoogleIndex</a:t>
           </a:r>
           <a:r>
@@ -2911,7 +2891,7 @@
             <a:buChar char="•"/>
           </a:pPr>
           <a:r>
-            <a:rPr lang="en-US" sz="800" b="1" i="0" dirty="0" err="1"/>
+            <a:rPr lang="en-US" sz="800" b="1" i="0" dirty="0"/>
             <a:t>AgeofDomain</a:t>
           </a:r>
           <a:r>
@@ -2925,7 +2905,7 @@
             <a:buChar char="•"/>
           </a:pPr>
           <a:r>
-            <a:rPr lang="en-US" sz="800" b="1" i="0" dirty="0" err="1"/>
+            <a:rPr lang="en-US" sz="800" b="1" i="0" dirty="0"/>
             <a:t>DNSRecording</a:t>
           </a:r>
           <a:r>
@@ -2980,7 +2960,7 @@
             <a:buChar char="•"/>
           </a:pPr>
           <a:r>
-            <a:rPr lang="en-US" sz="700" b="1" i="0" dirty="0" err="1"/>
+            <a:rPr lang="en-US" sz="700" b="1" i="0" dirty="0"/>
             <a:t>ServerFormHandler</a:t>
           </a:r>
           <a:r>
@@ -2994,20 +2974,12 @@
             <a:buChar char="•"/>
           </a:pPr>
           <a:r>
-            <a:rPr lang="en-US" sz="700" b="1" i="0" dirty="0" err="1"/>
+            <a:rPr lang="en-US" sz="700" b="1" i="0" dirty="0"/>
             <a:t>AbnormalURL</a:t>
           </a:r>
           <a:r>
             <a:rPr lang="en-US" sz="700" b="0" i="0" dirty="0"/>
-            <a:t>: Any abnormality in the URL that doesn't match </a:t>
-          </a:r>
-          <a:r>
-            <a:rPr lang="en-US" sz="700" b="0" i="0" dirty="0" err="1"/>
-            <a:t>whois</a:t>
-          </a:r>
-          <a:r>
-            <a:rPr lang="en-US" sz="700" b="0" i="0" dirty="0"/>
-            <a:t> record.</a:t>
+            <a:t>: Any abnormality in the URL that doesn't match whois record.</a:t>
           </a:r>
         </a:p>
         <a:p>
@@ -3016,7 +2988,7 @@
             <a:buChar char="•"/>
           </a:pPr>
           <a:r>
-            <a:rPr lang="en-US" sz="700" b="1" i="0" dirty="0" err="1"/>
+            <a:rPr lang="en-US" sz="700" b="1" i="0" dirty="0"/>
             <a:t>WebsiteForwarding</a:t>
           </a:r>
           <a:r>
@@ -3030,7 +3002,7 @@
             <a:buChar char="•"/>
           </a:pPr>
           <a:r>
-            <a:rPr lang="en-US" sz="700" b="1" i="0" dirty="0" err="1"/>
+            <a:rPr lang="en-US" sz="700" b="1" i="0" dirty="0"/>
             <a:t>StatusBarCust</a:t>
           </a:r>
           <a:r>
@@ -3058,7 +3030,7 @@
             <a:buChar char="•"/>
           </a:pPr>
           <a:r>
-            <a:rPr lang="en-US" sz="700" b="1" i="0" dirty="0" err="1"/>
+            <a:rPr lang="en-US" sz="700" b="1" i="0" dirty="0"/>
             <a:t>NonStdPort</a:t>
           </a:r>
           <a:r>
@@ -3072,7 +3044,7 @@
             <a:buChar char="•"/>
           </a:pPr>
           <a:r>
-            <a:rPr lang="en-US" sz="700" b="1" i="0" dirty="0" err="1"/>
+            <a:rPr lang="en-US" sz="700" b="1" i="0" dirty="0"/>
             <a:t>LinksInScriptTags</a:t>
           </a:r>
           <a:r>
@@ -3125,7 +3097,7 @@
         </a:p>
         <a:p>
           <a:r>
-            <a:rPr lang="en-US" sz="700" b="1" i="0" dirty="0" err="1"/>
+            <a:rPr lang="en-US" sz="700" b="1" i="0" dirty="0"/>
             <a:t>WebsiteTraffic</a:t>
           </a:r>
           <a:r>
@@ -3145,7 +3117,7 @@
         </a:p>
         <a:p>
           <a:r>
-            <a:rPr lang="en-US" sz="700" b="1" i="0" dirty="0" err="1"/>
+            <a:rPr lang="en-US" sz="700" b="1" i="0" dirty="0"/>
             <a:t>LinksPointingToPage</a:t>
           </a:r>
           <a:r>
@@ -3155,7 +3127,7 @@
         </a:p>
         <a:p>
           <a:r>
-            <a:rPr lang="en-US" sz="700" b="1" i="0" dirty="0" err="1"/>
+            <a:rPr lang="en-US" sz="700" b="1" i="0" dirty="0"/>
             <a:t>StatsReport</a:t>
           </a:r>
           <a:r>
@@ -3505,7 +3477,7 @@
             <a:buNone/>
           </a:pPr>
           <a:r>
-            <a:rPr lang="en-US" sz="700" b="1" i="0" kern="1200" dirty="0" err="1"/>
+            <a:rPr lang="en-US" sz="700" b="1" i="0" kern="1200" dirty="0"/>
             <a:t>UsingIP</a:t>
           </a:r>
           <a:r>
@@ -3527,7 +3499,7 @@
             <a:buNone/>
           </a:pPr>
           <a:r>
-            <a:rPr lang="en-US" sz="700" b="1" i="0" kern="1200" dirty="0" err="1"/>
+            <a:rPr lang="en-US" sz="700" b="1" i="0" kern="1200" dirty="0"/>
             <a:t>LongURL</a:t>
           </a:r>
           <a:r>
@@ -3549,7 +3521,7 @@
             <a:buNone/>
           </a:pPr>
           <a:r>
-            <a:rPr lang="en-US" sz="700" b="1" i="0" kern="1200" dirty="0" err="1"/>
+            <a:rPr lang="en-US" sz="700" b="1" i="0" kern="1200" dirty="0"/>
             <a:t>ShortURL</a:t>
           </a:r>
           <a:r>
@@ -3752,12 +3724,8 @@
             <a:buNone/>
           </a:pPr>
           <a:r>
-            <a:rPr lang="en-US" sz="900" b="1" i="0" kern="1200" dirty="0" err="1"/>
-            <a:t>PrefixSuffix</a:t>
-          </a:r>
-          <a:r>
             <a:rPr lang="en-US" sz="900" b="1" i="0" kern="1200" dirty="0"/>
-            <a:t>-</a:t>
+            <a:t>PrefixSuffix-</a:t>
           </a:r>
           <a:r>
             <a:rPr lang="en-US" sz="900" b="0" i="0" kern="1200" dirty="0"/>
@@ -3779,7 +3747,7 @@
             <a:buNone/>
           </a:pPr>
           <a:r>
-            <a:rPr lang="en-US" sz="900" b="1" i="0" kern="1200" dirty="0" err="1"/>
+            <a:rPr lang="en-US" sz="900" b="1" i="0" kern="1200" dirty="0"/>
             <a:t>SubDomains</a:t>
           </a:r>
           <a:r>
@@ -3825,7 +3793,7 @@
             <a:buNone/>
           </a:pPr>
           <a:r>
-            <a:rPr lang="en-US" sz="900" b="1" i="0" kern="1200" dirty="0" err="1"/>
+            <a:rPr lang="en-US" sz="900" b="1" i="0" kern="1200" dirty="0"/>
             <a:t>DomainRegLen</a:t>
           </a:r>
           <a:r>
@@ -3848,7 +3816,7 @@
             <a:buNone/>
           </a:pPr>
           <a:r>
-            <a:rPr lang="en-US" sz="900" b="1" i="0" kern="1200" dirty="0" err="1"/>
+            <a:rPr lang="en-US" sz="900" b="1" i="0" kern="1200" dirty="0"/>
             <a:t>DNSRecording</a:t>
           </a:r>
           <a:r>
@@ -3998,15 +3966,7 @@
           </a:r>
           <a:r>
             <a:rPr lang="en-US" sz="900" b="0" i="0" kern="1200" dirty="0"/>
-            <a:t>: Use of </a:t>
-          </a:r>
-          <a:r>
-            <a:rPr lang="en-US" sz="900" b="0" i="0" kern="1200" dirty="0" err="1"/>
-            <a:t>iframe</a:t>
-          </a:r>
-          <a:r>
-            <a:rPr lang="en-US" sz="900" b="0" i="0" kern="1200" dirty="0"/>
-            <a:t> for redirection.</a:t>
+            <a:t>: Use of iframe for redirection.</a:t>
           </a:r>
         </a:p>
         <a:p>
@@ -4024,7 +3984,7 @@
             <a:buNone/>
           </a:pPr>
           <a:r>
-            <a:rPr lang="en-US" sz="900" b="1" i="0" kern="1200" dirty="0" err="1"/>
+            <a:rPr lang="en-US" sz="900" b="1" i="0" kern="1200" dirty="0"/>
             <a:t>DisableRightClick</a:t>
           </a:r>
           <a:r>
@@ -4047,7 +4007,7 @@
             <a:buNone/>
           </a:pPr>
           <a:r>
-            <a:rPr lang="en-US" sz="900" b="1" i="0" kern="1200" dirty="0" err="1"/>
+            <a:rPr lang="en-US" sz="900" b="1" i="0" kern="1200" dirty="0"/>
             <a:t>UsingPopupWindow</a:t>
           </a:r>
           <a:r>
@@ -4070,20 +4030,12 @@
             <a:buNone/>
           </a:pPr>
           <a:r>
-            <a:rPr lang="en-US" sz="900" b="1" i="0" kern="1200" dirty="0" err="1"/>
+            <a:rPr lang="en-US" sz="900" b="1" i="0" kern="1200" dirty="0"/>
             <a:t>InfoEmail</a:t>
           </a:r>
           <a:r>
             <a:rPr lang="en-US" sz="900" b="0" i="0" kern="1200" dirty="0"/>
-            <a:t>: Use of email links like "</a:t>
-          </a:r>
-          <a:r>
-            <a:rPr lang="en-US" sz="900" b="0" i="0" kern="1200" dirty="0" err="1"/>
-            <a:t>mailto</a:t>
-          </a:r>
-          <a:r>
-            <a:rPr lang="en-US" sz="900" b="0" i="0" kern="1200" dirty="0"/>
-            <a:t>:" within the webpage.</a:t>
+            <a:t>: Use of email links like "mailto:" within the webpage.</a:t>
           </a:r>
         </a:p>
         <a:p>
@@ -4101,7 +4053,7 @@
             <a:buNone/>
           </a:pPr>
           <a:r>
-            <a:rPr lang="en-US" sz="900" b="1" i="0" kern="1200" dirty="0" err="1"/>
+            <a:rPr lang="en-US" sz="900" b="1" i="0" kern="1200" dirty="0"/>
             <a:t>AnchorURL</a:t>
           </a:r>
           <a:r>
@@ -4246,7 +4198,7 @@
             <a:buNone/>
           </a:pPr>
           <a:r>
-            <a:rPr lang="en-US" sz="800" b="1" i="0" kern="1200" dirty="0" err="1"/>
+            <a:rPr lang="en-US" sz="800" b="1" i="0" kern="1200" dirty="0"/>
             <a:t>GoogleIndex</a:t>
           </a:r>
           <a:r>
@@ -4269,7 +4221,7 @@
             <a:buNone/>
           </a:pPr>
           <a:r>
-            <a:rPr lang="en-US" sz="800" b="1" i="0" kern="1200" dirty="0" err="1"/>
+            <a:rPr lang="en-US" sz="800" b="1" i="0" kern="1200" dirty="0"/>
             <a:t>AgeofDomain</a:t>
           </a:r>
           <a:r>
@@ -4292,7 +4244,7 @@
             <a:buNone/>
           </a:pPr>
           <a:r>
-            <a:rPr lang="en-US" sz="800" b="1" i="0" kern="1200" dirty="0" err="1"/>
+            <a:rPr lang="en-US" sz="800" b="1" i="0" kern="1200" dirty="0"/>
             <a:t>DNSRecording</a:t>
           </a:r>
           <a:r>
@@ -4437,7 +4389,7 @@
             <a:buNone/>
           </a:pPr>
           <a:r>
-            <a:rPr lang="en-US" sz="700" b="1" i="0" kern="1200" dirty="0" err="1"/>
+            <a:rPr lang="en-US" sz="700" b="1" i="0" kern="1200" dirty="0"/>
             <a:t>ServerFormHandler</a:t>
           </a:r>
           <a:r>
@@ -4460,20 +4412,12 @@
             <a:buNone/>
           </a:pPr>
           <a:r>
-            <a:rPr lang="en-US" sz="700" b="1" i="0" kern="1200" dirty="0" err="1"/>
+            <a:rPr lang="en-US" sz="700" b="1" i="0" kern="1200" dirty="0"/>
             <a:t>AbnormalURL</a:t>
           </a:r>
           <a:r>
             <a:rPr lang="en-US" sz="700" b="0" i="0" kern="1200" dirty="0"/>
-            <a:t>: Any abnormality in the URL that doesn't match </a:t>
-          </a:r>
-          <a:r>
-            <a:rPr lang="en-US" sz="700" b="0" i="0" kern="1200" dirty="0" err="1"/>
-            <a:t>whois</a:t>
-          </a:r>
-          <a:r>
-            <a:rPr lang="en-US" sz="700" b="0" i="0" kern="1200" dirty="0"/>
-            <a:t> record.</a:t>
+            <a:t>: Any abnormality in the URL that doesn't match whois record.</a:t>
           </a:r>
         </a:p>
         <a:p>
@@ -4491,7 +4435,7 @@
             <a:buNone/>
           </a:pPr>
           <a:r>
-            <a:rPr lang="en-US" sz="700" b="1" i="0" kern="1200" dirty="0" err="1"/>
+            <a:rPr lang="en-US" sz="700" b="1" i="0" kern="1200" dirty="0"/>
             <a:t>WebsiteForwarding</a:t>
           </a:r>
           <a:r>
@@ -4514,7 +4458,7 @@
             <a:buNone/>
           </a:pPr>
           <a:r>
-            <a:rPr lang="en-US" sz="700" b="1" i="0" kern="1200" dirty="0" err="1"/>
+            <a:rPr lang="en-US" sz="700" b="1" i="0" kern="1200" dirty="0"/>
             <a:t>StatusBarCust</a:t>
           </a:r>
           <a:r>
@@ -4560,7 +4504,7 @@
             <a:buNone/>
           </a:pPr>
           <a:r>
-            <a:rPr lang="en-US" sz="700" b="1" i="0" kern="1200" dirty="0" err="1"/>
+            <a:rPr lang="en-US" sz="700" b="1" i="0" kern="1200" dirty="0"/>
             <a:t>NonStdPort</a:t>
           </a:r>
           <a:r>
@@ -4583,7 +4527,7 @@
             <a:buNone/>
           </a:pPr>
           <a:r>
-            <a:rPr lang="en-US" sz="700" b="1" i="0" kern="1200" dirty="0" err="1"/>
+            <a:rPr lang="en-US" sz="700" b="1" i="0" kern="1200" dirty="0"/>
             <a:t>LinksInScriptTags</a:t>
           </a:r>
           <a:r>
@@ -4700,7 +4644,7 @@
             <a:buNone/>
           </a:pPr>
           <a:r>
-            <a:rPr lang="en-US" sz="700" b="1" i="0" kern="1200" dirty="0" err="1"/>
+            <a:rPr lang="en-US" sz="700" b="1" i="0" kern="1200" dirty="0"/>
             <a:t>WebsiteTraffic</a:t>
           </a:r>
           <a:r>
@@ -4744,7 +4688,7 @@
             <a:buNone/>
           </a:pPr>
           <a:r>
-            <a:rPr lang="en-US" sz="700" b="1" i="0" kern="1200" dirty="0" err="1"/>
+            <a:rPr lang="en-US" sz="700" b="1" i="0" kern="1200" dirty="0"/>
             <a:t>LinksPointingToPage</a:t>
           </a:r>
           <a:r>
@@ -4766,7 +4710,7 @@
             <a:buNone/>
           </a:pPr>
           <a:r>
-            <a:rPr lang="en-US" sz="700" b="1" i="0" kern="1200" dirty="0" err="1"/>
+            <a:rPr lang="en-US" sz="700" b="1" i="0" kern="1200" dirty="0"/>
             <a:t>StatsReport</a:t>
           </a:r>
           <a:r>
@@ -6684,7 +6628,7 @@
           <a:p>
             <a:fld id="{81B8F32D-D8B6-4B9E-9CBF-DCAC30B7B93D}" type="datetimeFigureOut">
               <a:rPr lang="en-US" smtClean="0"/>
-              <a:t>4/29/24</a:t>
+              <a:t>4/30/24</a:t>
             </a:fld>
             <a:endParaRPr lang="en-US"/>
           </a:p>
@@ -6960,7 +6904,7 @@
             <a:fld id="{81B8F32D-D8B6-4B9E-9CBF-DCAC30B7B93D}" type="datetimeFigureOut">
               <a:rPr lang="en-US" smtClean="0"/>
               <a:pPr/>
-              <a:t>4/29/24</a:t>
+              <a:t>4/30/24</a:t>
             </a:fld>
             <a:endParaRPr lang="en-US" dirty="0"/>
           </a:p>
@@ -7156,7 +7100,7 @@
             <a:fld id="{81B8F32D-D8B6-4B9E-9CBF-DCAC30B7B93D}" type="datetimeFigureOut">
               <a:rPr lang="en-US" smtClean="0"/>
               <a:pPr/>
-              <a:t>4/29/24</a:t>
+              <a:t>4/30/24</a:t>
             </a:fld>
             <a:endParaRPr lang="en-US" dirty="0"/>
           </a:p>
@@ -7431,7 +7375,7 @@
             <a:fld id="{81B8F32D-D8B6-4B9E-9CBF-DCAC30B7B93D}" type="datetimeFigureOut">
               <a:rPr lang="en-US" smtClean="0"/>
               <a:pPr/>
-              <a:t>4/29/24</a:t>
+              <a:t>4/30/24</a:t>
             </a:fld>
             <a:endParaRPr lang="en-US" dirty="0"/>
           </a:p>
@@ -7774,7 +7718,7 @@
             <a:fld id="{81B8F32D-D8B6-4B9E-9CBF-DCAC30B7B93D}" type="datetimeFigureOut">
               <a:rPr lang="en-US" smtClean="0"/>
               <a:pPr/>
-              <a:t>4/29/24</a:t>
+              <a:t>4/30/24</a:t>
             </a:fld>
             <a:endParaRPr lang="en-US" dirty="0"/>
           </a:p>
@@ -8399,7 +8343,7 @@
             <a:fld id="{81B8F32D-D8B6-4B9E-9CBF-DCAC30B7B93D}" type="datetimeFigureOut">
               <a:rPr lang="en-US" smtClean="0"/>
               <a:pPr/>
-              <a:t>4/29/24</a:t>
+              <a:t>4/30/24</a:t>
             </a:fld>
             <a:endParaRPr lang="en-US" dirty="0"/>
           </a:p>
@@ -9261,7 +9205,7 @@
             <a:fld id="{81B8F32D-D8B6-4B9E-9CBF-DCAC30B7B93D}" type="datetimeFigureOut">
               <a:rPr lang="en-US" smtClean="0"/>
               <a:pPr/>
-              <a:t>4/29/24</a:t>
+              <a:t>4/30/24</a:t>
             </a:fld>
             <a:endParaRPr lang="en-US" dirty="0"/>
           </a:p>
@@ -9432,7 +9376,7 @@
           <a:p>
             <a:fld id="{81B8F32D-D8B6-4B9E-9CBF-DCAC30B7B93D}" type="datetimeFigureOut">
               <a:rPr lang="en-US" smtClean="0"/>
-              <a:t>4/29/24</a:t>
+              <a:t>4/30/24</a:t>
             </a:fld>
             <a:endParaRPr lang="en-US"/>
           </a:p>
@@ -9612,7 +9556,7 @@
           <a:p>
             <a:fld id="{81B8F32D-D8B6-4B9E-9CBF-DCAC30B7B93D}" type="datetimeFigureOut">
               <a:rPr lang="en-US" smtClean="0"/>
-              <a:t>4/29/24</a:t>
+              <a:t>4/30/24</a:t>
             </a:fld>
             <a:endParaRPr lang="en-US"/>
           </a:p>
@@ -9782,7 +9726,7 @@
           <a:p>
             <a:fld id="{81B8F32D-D8B6-4B9E-9CBF-DCAC30B7B93D}" type="datetimeFigureOut">
               <a:rPr lang="en-US" smtClean="0"/>
-              <a:t>4/29/24</a:t>
+              <a:t>4/30/24</a:t>
             </a:fld>
             <a:endParaRPr lang="en-US"/>
           </a:p>
@@ -10029,7 +9973,7 @@
           <a:p>
             <a:fld id="{81B8F32D-D8B6-4B9E-9CBF-DCAC30B7B93D}" type="datetimeFigureOut">
               <a:rPr lang="en-US" smtClean="0"/>
-              <a:t>4/29/24</a:t>
+              <a:t>4/30/24</a:t>
             </a:fld>
             <a:endParaRPr lang="en-US"/>
           </a:p>
@@ -10321,7 +10265,7 @@
           <a:p>
             <a:fld id="{81B8F32D-D8B6-4B9E-9CBF-DCAC30B7B93D}" type="datetimeFigureOut">
               <a:rPr lang="en-US" smtClean="0"/>
-              <a:t>4/29/24</a:t>
+              <a:t>4/30/24</a:t>
             </a:fld>
             <a:endParaRPr lang="en-US"/>
           </a:p>
@@ -10765,7 +10709,7 @@
           <a:p>
             <a:fld id="{81B8F32D-D8B6-4B9E-9CBF-DCAC30B7B93D}" type="datetimeFigureOut">
               <a:rPr lang="en-US" smtClean="0"/>
-              <a:t>4/29/24</a:t>
+              <a:t>4/30/24</a:t>
             </a:fld>
             <a:endParaRPr lang="en-US"/>
           </a:p>
@@ -10883,7 +10827,7 @@
           <a:p>
             <a:fld id="{81B8F32D-D8B6-4B9E-9CBF-DCAC30B7B93D}" type="datetimeFigureOut">
               <a:rPr lang="en-US" smtClean="0"/>
-              <a:t>4/29/24</a:t>
+              <a:t>4/30/24</a:t>
             </a:fld>
             <a:endParaRPr lang="en-US"/>
           </a:p>
@@ -10978,7 +10922,7 @@
           <a:p>
             <a:fld id="{81B8F32D-D8B6-4B9E-9CBF-DCAC30B7B93D}" type="datetimeFigureOut">
               <a:rPr lang="en-US" smtClean="0"/>
-              <a:t>4/29/24</a:t>
+              <a:t>4/30/24</a:t>
             </a:fld>
             <a:endParaRPr lang="en-US"/>
           </a:p>
@@ -11257,7 +11201,7 @@
           <a:p>
             <a:fld id="{81B8F32D-D8B6-4B9E-9CBF-DCAC30B7B93D}" type="datetimeFigureOut">
               <a:rPr lang="en-US" smtClean="0"/>
-              <a:t>4/29/24</a:t>
+              <a:t>4/30/24</a:t>
             </a:fld>
             <a:endParaRPr lang="en-US"/>
           </a:p>
@@ -11532,7 +11476,7 @@
           <a:p>
             <a:fld id="{81B8F32D-D8B6-4B9E-9CBF-DCAC30B7B93D}" type="datetimeFigureOut">
               <a:rPr lang="en-US" smtClean="0"/>
-              <a:t>4/29/24</a:t>
+              <a:t>4/30/24</a:t>
             </a:fld>
             <a:endParaRPr lang="en-US"/>
           </a:p>
@@ -11962,7 +11906,7 @@
             <a:fld id="{81B8F32D-D8B6-4B9E-9CBF-DCAC30B7B93D}" type="datetimeFigureOut">
               <a:rPr lang="en-US" smtClean="0"/>
               <a:pPr/>
-              <a:t>4/29/24</a:t>
+              <a:t>4/30/24</a:t>
             </a:fld>
             <a:endParaRPr lang="en-US" dirty="0"/>
           </a:p>
@@ -15462,7 +15406,7 @@
                   <a:srgbClr val="ECECEC"/>
                 </a:solidFill>
                 <a:effectLst/>
-                <a:latin typeface="Söhne"/>
+                <a:latin typeface="+mn-lt"/>
               </a:rPr>
               <a:t>Objective:</a:t>
             </a:r>
@@ -15472,7 +15416,7 @@
                   <a:srgbClr val="ECECEC"/>
                 </a:solidFill>
                 <a:effectLst/>
-                <a:latin typeface="Söhne"/>
+                <a:latin typeface="+mn-lt"/>
               </a:rPr>
               <a:t> Develop a model to detect phishing URLs using machine learning.</a:t>
             </a:r>
@@ -15488,7 +15432,7 @@
                   <a:srgbClr val="ECECEC"/>
                 </a:solidFill>
                 <a:effectLst/>
-                <a:latin typeface="Söhne"/>
+                <a:latin typeface="+mn-lt"/>
               </a:rPr>
               <a:t>Data Collection:</a:t>
             </a:r>
@@ -15498,7 +15442,7 @@
                   <a:srgbClr val="ECECEC"/>
                 </a:solidFill>
                 <a:effectLst/>
-                <a:latin typeface="Söhne"/>
+                <a:latin typeface="+mn-lt"/>
               </a:rPr>
               <a:t> Dataset of 11,000+ URLs from Kaggle, enhanced with real-time data scraping.</a:t>
             </a:r>
@@ -15514,7 +15458,7 @@
                   <a:srgbClr val="ECECEC"/>
                 </a:solidFill>
                 <a:effectLst/>
-                <a:latin typeface="Söhne"/>
+                <a:latin typeface="+mn-lt"/>
               </a:rPr>
               <a:t>Feature Engineering:</a:t>
             </a:r>
@@ -15524,7 +15468,7 @@
                   <a:srgbClr val="ECECEC"/>
                 </a:solidFill>
                 <a:effectLst/>
-                <a:latin typeface="Söhne"/>
+                <a:latin typeface="+mn-lt"/>
               </a:rPr>
               <a:t> Extracted 30 URL features using BeautifulSoup and Whois</a:t>
             </a:r>
@@ -15533,7 +15477,7 @@
                 <a:solidFill>
                   <a:srgbClr val="ECECEC"/>
                 </a:solidFill>
-                <a:latin typeface="Söhne"/>
+                <a:latin typeface="+mn-lt"/>
               </a:rPr>
               <a:t> for dynamic data extraction.</a:t>
             </a:r>
@@ -15542,7 +15486,7 @@
                 <a:srgbClr val="ECECEC"/>
               </a:solidFill>
               <a:effectLst/>
-              <a:latin typeface="Söhne"/>
+              <a:latin typeface="+mn-lt"/>
             </a:endParaRPr>
           </a:p>
           <a:p>
@@ -15556,7 +15500,7 @@
                   <a:srgbClr val="ECECEC"/>
                 </a:solidFill>
                 <a:effectLst/>
-                <a:latin typeface="Söhne"/>
+                <a:latin typeface="+mn-lt"/>
               </a:rPr>
               <a:t>Model Selection:</a:t>
             </a:r>
@@ -15566,7 +15510,7 @@
                   <a:srgbClr val="ECECEC"/>
                 </a:solidFill>
                 <a:effectLst/>
-                <a:latin typeface="Söhne"/>
+                <a:latin typeface="+mn-lt"/>
               </a:rPr>
               <a:t> Tested different models including Logistic Regression, KNN, SVM, Random Forest, Naïve Bayes</a:t>
             </a:r>
@@ -15575,7 +15519,7 @@
                 <a:solidFill>
                   <a:srgbClr val="ECECEC"/>
                 </a:solidFill>
-                <a:latin typeface="Söhne"/>
+                <a:latin typeface="+mn-lt"/>
               </a:rPr>
               <a:t>, MLP, Gradient Boosting and Decision Trees.</a:t>
             </a:r>
@@ -15584,7 +15528,7 @@
                 <a:srgbClr val="ECECEC"/>
               </a:solidFill>
               <a:effectLst/>
-              <a:latin typeface="Söhne"/>
+              <a:latin typeface="+mn-lt"/>
             </a:endParaRPr>
           </a:p>
           <a:p>
@@ -15598,7 +15542,7 @@
                   <a:srgbClr val="ECECEC"/>
                 </a:solidFill>
                 <a:effectLst/>
-                <a:latin typeface="Söhne"/>
+                <a:latin typeface="+mn-lt"/>
               </a:rPr>
               <a:t>Validation:</a:t>
             </a:r>
@@ -15608,7 +15552,7 @@
                   <a:srgbClr val="ECECEC"/>
                 </a:solidFill>
                 <a:effectLst/>
-                <a:latin typeface="Söhne"/>
+                <a:latin typeface="+mn-lt"/>
               </a:rPr>
               <a:t> Used k-fold cross-validation to ensure model reliability.</a:t>
             </a:r>
@@ -15624,7 +15568,7 @@
                   <a:srgbClr val="ECECEC"/>
                 </a:solidFill>
                 <a:effectLst/>
-                <a:latin typeface="Söhne"/>
+                <a:latin typeface="+mn-lt"/>
               </a:rPr>
               <a:t>Implementation:</a:t>
             </a:r>
@@ -15634,7 +15578,7 @@
                   <a:srgbClr val="ECECEC"/>
                 </a:solidFill>
                 <a:effectLst/>
-                <a:latin typeface="Söhne"/>
+                <a:latin typeface="+mn-lt"/>
               </a:rPr>
               <a:t> Built with Python, Scikit-learn, and Flask for web application deployment.</a:t>
             </a:r>
@@ -15650,7 +15594,7 @@
                   <a:srgbClr val="ECECEC"/>
                 </a:solidFill>
                 <a:effectLst/>
-                <a:latin typeface="Söhne"/>
+                <a:latin typeface="+mn-lt"/>
               </a:rPr>
               <a:t>User Interface:</a:t>
             </a:r>
@@ -15660,7 +15604,7 @@
                   <a:srgbClr val="ECECEC"/>
                 </a:solidFill>
                 <a:effectLst/>
-                <a:latin typeface="Söhne"/>
+                <a:latin typeface="+mn-lt"/>
               </a:rPr>
               <a:t> Created a user-friendly web interface for real-time phishing detection.</a:t>
             </a:r>

--- a/SoftwareProject_FinalPresentation.pptx
+++ b/SoftwareProject_FinalPresentation.pptx
@@ -5,7 +5,7 @@
     <p:sldMasterId id="2147483713" r:id="rId1"/>
   </p:sldMasterIdLst>
   <p:notesMasterIdLst>
-    <p:notesMasterId r:id="rId16"/>
+    <p:notesMasterId r:id="rId18"/>
   </p:notesMasterIdLst>
   <p:sldIdLst>
     <p:sldId id="256" r:id="rId2"/>
@@ -19,9 +19,11 @@
     <p:sldId id="264" r:id="rId10"/>
     <p:sldId id="265" r:id="rId11"/>
     <p:sldId id="266" r:id="rId12"/>
-    <p:sldId id="267" r:id="rId13"/>
-    <p:sldId id="268" r:id="rId14"/>
-    <p:sldId id="269" r:id="rId15"/>
+    <p:sldId id="270" r:id="rId13"/>
+    <p:sldId id="271" r:id="rId14"/>
+    <p:sldId id="267" r:id="rId15"/>
+    <p:sldId id="268" r:id="rId16"/>
+    <p:sldId id="269" r:id="rId17"/>
   </p:sldIdLst>
   <p:sldSz cx="12192000" cy="6858000"/>
   <p:notesSz cx="6858000" cy="9144000"/>
@@ -12832,6 +12834,390 @@
           <p:cNvPr id="2" name="Title 1">
             <a:extLst>
               <a:ext uri="{FF2B5EF4-FFF2-40B4-BE49-F238E27FC236}">
+                <a16:creationId xmlns:a16="http://schemas.microsoft.com/office/drawing/2014/main" id="{A4963E08-B4B2-D555-5CB1-111E5F8A7A84}"/>
+              </a:ext>
+            </a:extLst>
+          </p:cNvPr>
+          <p:cNvSpPr>
+            <a:spLocks noGrp="1"/>
+          </p:cNvSpPr>
+          <p:nvPr>
+            <p:ph type="title"/>
+          </p:nvPr>
+        </p:nvSpPr>
+        <p:spPr>
+          <a:xfrm>
+            <a:off x="646111" y="452718"/>
+            <a:ext cx="9404723" cy="831796"/>
+          </a:xfrm>
+        </p:spPr>
+        <p:txBody>
+          <a:bodyPr/>
+          <a:lstStyle/>
+          <a:p>
+            <a:r>
+              <a:rPr lang="en-US" dirty="0">
+                <a:latin typeface="Algerian" pitchFamily="82" charset="77"/>
+              </a:rPr>
+              <a:t>CONTINUING CHALLENGES:</a:t>
+            </a:r>
+          </a:p>
+        </p:txBody>
+      </p:sp>
+      <p:sp>
+        <p:nvSpPr>
+          <p:cNvPr id="3" name="Content Placeholder 2">
+            <a:extLst>
+              <a:ext uri="{FF2B5EF4-FFF2-40B4-BE49-F238E27FC236}">
+                <a16:creationId xmlns:a16="http://schemas.microsoft.com/office/drawing/2014/main" id="{ADE8C6ED-AD5D-3E5F-8DBD-FE4E2CEFAF3A}"/>
+              </a:ext>
+            </a:extLst>
+          </p:cNvPr>
+          <p:cNvSpPr>
+            <a:spLocks noGrp="1"/>
+          </p:cNvSpPr>
+          <p:nvPr>
+            <p:ph idx="1"/>
+          </p:nvPr>
+        </p:nvSpPr>
+        <p:spPr>
+          <a:xfrm>
+            <a:off x="645130" y="1981200"/>
+            <a:ext cx="10436527" cy="4267199"/>
+          </a:xfrm>
+        </p:spPr>
+        <p:txBody>
+          <a:bodyPr/>
+          <a:lstStyle/>
+          <a:p>
+            <a:pPr marL="514350" indent="-514350" algn="l">
+              <a:buFont typeface="+mj-lt"/>
+              <a:buAutoNum type="romanLcPeriod"/>
+            </a:pPr>
+            <a:r>
+              <a:rPr lang="en-US" b="1" i="0" dirty="0">
+                <a:solidFill>
+                  <a:srgbClr val="ECECEC"/>
+                </a:solidFill>
+                <a:effectLst/>
+                <a:latin typeface="+mn-lt"/>
+              </a:rPr>
+              <a:t>Adaptive Phishing Techniques:</a:t>
+            </a:r>
+            <a:r>
+              <a:rPr lang="en-US" b="0" i="0" dirty="0">
+                <a:solidFill>
+                  <a:srgbClr val="ECECEC"/>
+                </a:solidFill>
+                <a:effectLst/>
+                <a:latin typeface="+mn-lt"/>
+              </a:rPr>
+              <a:t> As cybercriminals evolve their methods, our systems must adapt to detect ever-changing phishing tactics.</a:t>
+            </a:r>
+          </a:p>
+          <a:p>
+            <a:pPr marL="514350" indent="-514350" algn="l">
+              <a:buFont typeface="+mj-lt"/>
+              <a:buAutoNum type="romanLcPeriod"/>
+            </a:pPr>
+            <a:r>
+              <a:rPr lang="en-US" b="1" i="0" dirty="0">
+                <a:solidFill>
+                  <a:srgbClr val="ECECEC"/>
+                </a:solidFill>
+                <a:effectLst/>
+                <a:latin typeface="+mn-lt"/>
+              </a:rPr>
+              <a:t>Handling Zero-Day Phishing Attacks:</a:t>
+            </a:r>
+            <a:r>
+              <a:rPr lang="en-US" b="0" i="0" dirty="0">
+                <a:solidFill>
+                  <a:srgbClr val="ECECEC"/>
+                </a:solidFill>
+                <a:effectLst/>
+                <a:latin typeface="+mn-lt"/>
+              </a:rPr>
+              <a:t> Identifying and mitigating attacks that exploit previously unknown vulnerabilities remains a significant challenge.</a:t>
+            </a:r>
+          </a:p>
+          <a:p>
+            <a:pPr marL="514350" indent="-514350" algn="l">
+              <a:buFont typeface="+mj-lt"/>
+              <a:buAutoNum type="romanLcPeriod"/>
+            </a:pPr>
+            <a:r>
+              <a:rPr lang="en-US" b="1" i="0" dirty="0">
+                <a:solidFill>
+                  <a:srgbClr val="ECECEC"/>
+                </a:solidFill>
+                <a:effectLst/>
+                <a:latin typeface="+mn-lt"/>
+              </a:rPr>
+              <a:t>Data Privacy Concerns:</a:t>
+            </a:r>
+            <a:r>
+              <a:rPr lang="en-US" b="0" i="0" dirty="0">
+                <a:solidFill>
+                  <a:srgbClr val="ECECEC"/>
+                </a:solidFill>
+                <a:effectLst/>
+                <a:latin typeface="+mn-lt"/>
+              </a:rPr>
+              <a:t> Ensuring user data is handled securely, especially when scaling the solution to handle more sensitive information.</a:t>
+            </a:r>
+          </a:p>
+          <a:p>
+            <a:pPr marL="0" indent="0">
+              <a:buNone/>
+            </a:pPr>
+            <a:endParaRPr lang="en-US" dirty="0"/>
+          </a:p>
+        </p:txBody>
+      </p:sp>
+    </p:spTree>
+    <p:extLst>
+      <p:ext uri="{BB962C8B-B14F-4D97-AF65-F5344CB8AC3E}">
+        <p14:creationId xmlns:p14="http://schemas.microsoft.com/office/powerpoint/2010/main" val="2951292659"/>
+      </p:ext>
+    </p:extLst>
+  </p:cSld>
+  <p:clrMapOvr>
+    <a:masterClrMapping/>
+  </p:clrMapOvr>
+</p:sld>
+</file>
+
+<file path=ppt/slides/slide13.xml><?xml version="1.0" encoding="utf-8"?>
+<p:sld xmlns:a="http://schemas.openxmlformats.org/drawingml/2006/main" xmlns:r="http://schemas.openxmlformats.org/officeDocument/2006/relationships" xmlns:p="http://schemas.openxmlformats.org/presentationml/2006/main">
+  <p:cSld>
+    <p:spTree>
+      <p:nvGrpSpPr>
+        <p:cNvPr id="1" name="">
+          <a:extLst>
+            <a:ext uri="{FF2B5EF4-FFF2-40B4-BE49-F238E27FC236}">
+              <a16:creationId xmlns:a16="http://schemas.microsoft.com/office/drawing/2014/main" id="{0D8FD4DF-A331-9D7B-5E46-BBD00FD3DF34}"/>
+            </a:ext>
+          </a:extLst>
+        </p:cNvPr>
+        <p:cNvGrpSpPr/>
+        <p:nvPr/>
+      </p:nvGrpSpPr>
+      <p:grpSpPr>
+        <a:xfrm>
+          <a:off x="0" y="0"/>
+          <a:ext cx="0" cy="0"/>
+          <a:chOff x="0" y="0"/>
+          <a:chExt cx="0" cy="0"/>
+        </a:xfrm>
+      </p:grpSpPr>
+      <p:sp>
+        <p:nvSpPr>
+          <p:cNvPr id="2" name="Title 1">
+            <a:extLst>
+              <a:ext uri="{FF2B5EF4-FFF2-40B4-BE49-F238E27FC236}">
+                <a16:creationId xmlns:a16="http://schemas.microsoft.com/office/drawing/2014/main" id="{9D80F9D3-9D5A-8D78-7D88-36B1A3FC0AB0}"/>
+              </a:ext>
+            </a:extLst>
+          </p:cNvPr>
+          <p:cNvSpPr>
+            <a:spLocks noGrp="1"/>
+          </p:cNvSpPr>
+          <p:nvPr>
+            <p:ph type="title"/>
+          </p:nvPr>
+        </p:nvSpPr>
+        <p:spPr>
+          <a:xfrm>
+            <a:off x="646111" y="452718"/>
+            <a:ext cx="9404723" cy="831796"/>
+          </a:xfrm>
+        </p:spPr>
+        <p:txBody>
+          <a:bodyPr/>
+          <a:lstStyle/>
+          <a:p>
+            <a:r>
+              <a:rPr lang="en-US" dirty="0">
+                <a:latin typeface="Algerian" pitchFamily="82" charset="77"/>
+              </a:rPr>
+              <a:t>Future development:</a:t>
+            </a:r>
+          </a:p>
+        </p:txBody>
+      </p:sp>
+      <p:sp>
+        <p:nvSpPr>
+          <p:cNvPr id="3" name="Content Placeholder 2">
+            <a:extLst>
+              <a:ext uri="{FF2B5EF4-FFF2-40B4-BE49-F238E27FC236}">
+                <a16:creationId xmlns:a16="http://schemas.microsoft.com/office/drawing/2014/main" id="{AA0B1061-A009-64F2-E9B5-62C05BB64FF5}"/>
+              </a:ext>
+            </a:extLst>
+          </p:cNvPr>
+          <p:cNvSpPr>
+            <a:spLocks noGrp="1"/>
+          </p:cNvSpPr>
+          <p:nvPr>
+            <p:ph idx="1"/>
+          </p:nvPr>
+        </p:nvSpPr>
+        <p:spPr>
+          <a:xfrm>
+            <a:off x="645130" y="1981200"/>
+            <a:ext cx="10436527" cy="4267199"/>
+          </a:xfrm>
+        </p:spPr>
+        <p:txBody>
+          <a:bodyPr/>
+          <a:lstStyle/>
+          <a:p>
+            <a:pPr marL="514350" indent="-514350" algn="l">
+              <a:buFont typeface="+mj-lt"/>
+              <a:buAutoNum type="romanLcPeriod"/>
+            </a:pPr>
+            <a:r>
+              <a:rPr lang="en-US" b="1" i="0" dirty="0">
+                <a:solidFill>
+                  <a:srgbClr val="ECECEC"/>
+                </a:solidFill>
+                <a:effectLst/>
+                <a:latin typeface="+mn-lt"/>
+              </a:rPr>
+              <a:t>Enhancing Detection Algorithms:</a:t>
+            </a:r>
+            <a:r>
+              <a:rPr lang="en-US" b="0" i="0" dirty="0">
+                <a:solidFill>
+                  <a:srgbClr val="ECECEC"/>
+                </a:solidFill>
+                <a:effectLst/>
+                <a:latin typeface="+mn-lt"/>
+              </a:rPr>
+              <a:t> Implementing deep learning techniques to improve accuracy and reduce false positives.</a:t>
+            </a:r>
+          </a:p>
+          <a:p>
+            <a:pPr marL="514350" indent="-514350" algn="l">
+              <a:buFont typeface="+mj-lt"/>
+              <a:buAutoNum type="romanLcPeriod"/>
+            </a:pPr>
+            <a:r>
+              <a:rPr lang="en-US" b="1" i="0" dirty="0">
+                <a:solidFill>
+                  <a:srgbClr val="ECECEC"/>
+                </a:solidFill>
+                <a:effectLst/>
+                <a:latin typeface="+mn-lt"/>
+              </a:rPr>
+              <a:t>Real-time Data Analysis:</a:t>
+            </a:r>
+            <a:r>
+              <a:rPr lang="en-US" b="0" i="0" dirty="0">
+                <a:solidFill>
+                  <a:srgbClr val="ECECEC"/>
+                </a:solidFill>
+                <a:effectLst/>
+                <a:latin typeface="+mn-lt"/>
+              </a:rPr>
+              <a:t> Developing capabilities to analyze and block phishing attempts in real time as they happen.</a:t>
+            </a:r>
+          </a:p>
+          <a:p>
+            <a:pPr marL="514350" indent="-514350" algn="l">
+              <a:buFont typeface="+mj-lt"/>
+              <a:buAutoNum type="romanLcPeriod"/>
+            </a:pPr>
+            <a:r>
+              <a:rPr lang="en-US" b="1" i="0" dirty="0">
+                <a:solidFill>
+                  <a:srgbClr val="ECECEC"/>
+                </a:solidFill>
+                <a:effectLst/>
+                <a:latin typeface="+mn-lt"/>
+              </a:rPr>
+              <a:t>User Education Integration:</a:t>
+            </a:r>
+            <a:r>
+              <a:rPr lang="en-US" b="0" i="0" dirty="0">
+                <a:solidFill>
+                  <a:srgbClr val="ECECEC"/>
+                </a:solidFill>
+                <a:effectLst/>
+                <a:latin typeface="+mn-lt"/>
+              </a:rPr>
+              <a:t> Creating interactive and engaging educational tools to help users recognize phishing attempts.</a:t>
+            </a:r>
+          </a:p>
+          <a:p>
+            <a:pPr marL="514350" indent="-514350" algn="l">
+              <a:buFont typeface="+mj-lt"/>
+              <a:buAutoNum type="romanLcPeriod"/>
+            </a:pPr>
+            <a:r>
+              <a:rPr lang="en-US" b="1" i="0" dirty="0">
+                <a:solidFill>
+                  <a:srgbClr val="ECECEC"/>
+                </a:solidFill>
+                <a:effectLst/>
+                <a:latin typeface="+mn-lt"/>
+              </a:rPr>
+              <a:t>Collaboration with Cybersecurity Platforms:</a:t>
+            </a:r>
+            <a:r>
+              <a:rPr lang="en-US" b="0" i="0" dirty="0">
+                <a:solidFill>
+                  <a:srgbClr val="ECECEC"/>
+                </a:solidFill>
+                <a:effectLst/>
+                <a:latin typeface="+mn-lt"/>
+              </a:rPr>
+              <a:t> Partnering with existing cybersecurity platforms to integrate our solution for a broader reach.</a:t>
+            </a:r>
+          </a:p>
+          <a:p>
+            <a:pPr marL="0" indent="0">
+              <a:buNone/>
+            </a:pPr>
+            <a:endParaRPr lang="en-US" dirty="0"/>
+          </a:p>
+        </p:txBody>
+      </p:sp>
+    </p:spTree>
+    <p:extLst>
+      <p:ext uri="{BB962C8B-B14F-4D97-AF65-F5344CB8AC3E}">
+        <p14:creationId xmlns:p14="http://schemas.microsoft.com/office/powerpoint/2010/main" val="2292174496"/>
+      </p:ext>
+    </p:extLst>
+  </p:cSld>
+  <p:clrMapOvr>
+    <a:masterClrMapping/>
+  </p:clrMapOvr>
+</p:sld>
+</file>
+
+<file path=ppt/slides/slide14.xml><?xml version="1.0" encoding="utf-8"?>
+<p:sld xmlns:a="http://schemas.openxmlformats.org/drawingml/2006/main" xmlns:r="http://schemas.openxmlformats.org/officeDocument/2006/relationships" xmlns:p="http://schemas.openxmlformats.org/presentationml/2006/main">
+  <p:cSld>
+    <p:spTree>
+      <p:nvGrpSpPr>
+        <p:cNvPr id="1" name=""/>
+        <p:cNvGrpSpPr/>
+        <p:nvPr/>
+      </p:nvGrpSpPr>
+      <p:grpSpPr>
+        <a:xfrm>
+          <a:off x="0" y="0"/>
+          <a:ext cx="0" cy="0"/>
+          <a:chOff x="0" y="0"/>
+          <a:chExt cx="0" cy="0"/>
+        </a:xfrm>
+      </p:grpSpPr>
+      <p:sp>
+        <p:nvSpPr>
+          <p:cNvPr id="2" name="Title 1">
+            <a:extLst>
+              <a:ext uri="{FF2B5EF4-FFF2-40B4-BE49-F238E27FC236}">
                 <a16:creationId xmlns:a16="http://schemas.microsoft.com/office/drawing/2014/main" id="{D951C7D6-5DBC-66C2-3E37-F4B8496932B8}"/>
               </a:ext>
             </a:extLst>
@@ -12943,7 +13329,7 @@
 </p:sld>
 </file>
 
-<file path=ppt/slides/slide13.xml><?xml version="1.0" encoding="utf-8"?>
+<file path=ppt/slides/slide15.xml><?xml version="1.0" encoding="utf-8"?>
 <p:sld xmlns:a="http://schemas.openxmlformats.org/drawingml/2006/main" xmlns:r="http://schemas.openxmlformats.org/officeDocument/2006/relationships" xmlns:p="http://schemas.openxmlformats.org/presentationml/2006/main">
   <p:cSld>
     <p:bg>
@@ -14258,7 +14644,7 @@
 </p:sld>
 </file>
 
-<file path=ppt/slides/slide14.xml><?xml version="1.0" encoding="utf-8"?>
+<file path=ppt/slides/slide16.xml><?xml version="1.0" encoding="utf-8"?>
 <p:sld xmlns:a="http://schemas.openxmlformats.org/drawingml/2006/main" xmlns:r="http://schemas.openxmlformats.org/officeDocument/2006/relationships" xmlns:p="http://schemas.openxmlformats.org/presentationml/2006/main">
   <p:cSld>
     <p:bg>
